--- a/04 - Cr MagOpt/Picture/Spectras.pptx
+++ b/04 - Cr MagOpt/Picture/Spectras.pptx
@@ -184,7 +184,7 @@
           <a:bodyPr lIns="0" rIns="0" tIns="0" bIns="0" anchor="b"/>
           <a:p>
             <a:pPr algn="r"/>
-            <a:fld id="{87BEB31D-E998-4394-AC2F-F1E2444590C5}" type="slidenum">
+            <a:fld id="{27888533-D571-4392-A919-FA71462E7124}" type="slidenum">
               <a:rPr lang="en-US" sz="1400">
                 <a:latin typeface="Times New Roman"/>
               </a:rPr>
@@ -266,7 +266,7 @@
                 <a:spcPct val="100000"/>
               </a:lnSpc>
             </a:pPr>
-            <a:fld id="{6243BF10-5A6D-4587-9FF9-FCC83900E0D9}" type="slidenum">
+            <a:fld id="{05A78851-5CB0-454A-A710-24D989809418}" type="slidenum">
               <a:rPr lang="en-US" sz="1200">
                 <a:solidFill>
                   <a:srgbClr val="000000"/>
@@ -1531,7 +1531,7 @@
                 </a:solidFill>
                 <a:latin typeface="Calibri"/>
               </a:rPr>
-              <a:t>3/31/17</a:t>
+              <a:t>4/6/17</a:t>
             </a:r>
             <a:endParaRPr/>
           </a:p>
@@ -1590,7 +1590,7 @@
                 <a:spcPct val="100000"/>
               </a:lnSpc>
             </a:pPr>
-            <a:fld id="{7F5578F6-C580-400E-AED1-8DC584DF3462}" type="slidenum">
+            <a:fld id="{B3B08E3E-F971-424F-A0AA-53F37356F6EF}" type="slidenum">
               <a:rPr lang="en-US" sz="1200">
                 <a:solidFill>
                   <a:srgbClr val="8b8b8b"/>
@@ -1763,7 +1763,7 @@
       </p:grpSpPr>
       <p:pic>
         <p:nvPicPr>
-          <p:cNvPr id="44" name="Picture 13" descr=""/>
+          <p:cNvPr id="44" name="Picture 2" descr=""/>
           <p:cNvPicPr/>
           <p:nvPr/>
         </p:nvPicPr>
@@ -1775,7 +1775,7 @@
         </p:blipFill>
         <p:spPr>
           <a:xfrm>
-            <a:off x="8407080" y="275760"/>
+            <a:off x="1332360" y="277200"/>
             <a:ext cx="4086000" cy="4692240"/>
           </a:xfrm>
           <a:prstGeom prst="rect">
@@ -1788,7 +1788,7 @@
       </p:pic>
       <p:pic>
         <p:nvPicPr>
-          <p:cNvPr id="45" name="Picture 12" descr=""/>
+          <p:cNvPr id="45" name="Picture 13" descr=""/>
           <p:cNvPicPr/>
           <p:nvPr/>
         </p:nvPicPr>
@@ -1800,7 +1800,7 @@
         </p:blipFill>
         <p:spPr>
           <a:xfrm>
-            <a:off x="4878720" y="275760"/>
+            <a:off x="8407080" y="275760"/>
             <a:ext cx="4086000" cy="4692240"/>
           </a:xfrm>
           <a:prstGeom prst="rect">
@@ -1813,21 +1813,21 @@
       </p:pic>
       <p:pic>
         <p:nvPicPr>
-          <p:cNvPr id="46" name="Picture 10" descr=""/>
+          <p:cNvPr id="46" name="Picture 12" descr=""/>
           <p:cNvPicPr/>
           <p:nvPr/>
         </p:nvPicPr>
         <p:blipFill>
           <a:blip r:embed="rId3"/>
-          <a:srcRect l="0" t="0" r="5893" b="0"/>
+          <a:srcRect l="7928" t="0" r="0" b="0"/>
           <a:stretch>
             <a:fillRect/>
           </a:stretch>
         </p:blipFill>
         <p:spPr>
           <a:xfrm>
-            <a:off x="1323720" y="275760"/>
-            <a:ext cx="3844800" cy="4692240"/>
+            <a:off x="5202720" y="275760"/>
+            <a:ext cx="3762000" cy="4692240"/>
           </a:xfrm>
           <a:prstGeom prst="rect">
             <a:avLst/>
